--- a/L4_5 - Group 1/Research/Group 1 Presentation.pptx
+++ b/L4_5 - Group 1/Research/Group 1 Presentation.pptx
@@ -9,8 +9,12 @@
     <p:sldId id="258" r:id="rId3"/>
     <p:sldId id="257" r:id="rId4"/>
     <p:sldId id="259" r:id="rId5"/>
-    <p:sldId id="260" r:id="rId6"/>
-    <p:sldId id="261" r:id="rId7"/>
+    <p:sldId id="262" r:id="rId6"/>
+    <p:sldId id="263" r:id="rId7"/>
+    <p:sldId id="264" r:id="rId8"/>
+    <p:sldId id="260" r:id="rId9"/>
+    <p:sldId id="265" r:id="rId10"/>
+    <p:sldId id="261" r:id="rId11"/>
   </p:sldIdLst>
   <p:sldSz cx="12192000" cy="6858000"/>
   <p:notesSz cx="6858000" cy="9144000"/>
@@ -248,7 +252,7 @@
           <a:p>
             <a:fld id="{7D20D1B2-82D3-4D20-8DBC-939F9059AC75}" type="datetimeFigureOut">
               <a:rPr lang="en-GB" smtClean="0"/>
-              <a:t>17/10/2016</a:t>
+              <a:t>18/10/2016</a:t>
             </a:fld>
             <a:endParaRPr lang="en-GB"/>
           </a:p>
@@ -418,7 +422,7 @@
           <a:p>
             <a:fld id="{7D20D1B2-82D3-4D20-8DBC-939F9059AC75}" type="datetimeFigureOut">
               <a:rPr lang="en-GB" smtClean="0"/>
-              <a:t>17/10/2016</a:t>
+              <a:t>18/10/2016</a:t>
             </a:fld>
             <a:endParaRPr lang="en-GB"/>
           </a:p>
@@ -598,7 +602,7 @@
           <a:p>
             <a:fld id="{7D20D1B2-82D3-4D20-8DBC-939F9059AC75}" type="datetimeFigureOut">
               <a:rPr lang="en-GB" smtClean="0"/>
-              <a:t>17/10/2016</a:t>
+              <a:t>18/10/2016</a:t>
             </a:fld>
             <a:endParaRPr lang="en-GB"/>
           </a:p>
@@ -768,7 +772,7 @@
           <a:p>
             <a:fld id="{7D20D1B2-82D3-4D20-8DBC-939F9059AC75}" type="datetimeFigureOut">
               <a:rPr lang="en-GB" smtClean="0"/>
-              <a:t>17/10/2016</a:t>
+              <a:t>18/10/2016</a:t>
             </a:fld>
             <a:endParaRPr lang="en-GB"/>
           </a:p>
@@ -1014,7 +1018,7 @@
           <a:p>
             <a:fld id="{7D20D1B2-82D3-4D20-8DBC-939F9059AC75}" type="datetimeFigureOut">
               <a:rPr lang="en-GB" smtClean="0"/>
-              <a:t>17/10/2016</a:t>
+              <a:t>18/10/2016</a:t>
             </a:fld>
             <a:endParaRPr lang="en-GB"/>
           </a:p>
@@ -1246,7 +1250,7 @@
           <a:p>
             <a:fld id="{7D20D1B2-82D3-4D20-8DBC-939F9059AC75}" type="datetimeFigureOut">
               <a:rPr lang="en-GB" smtClean="0"/>
-              <a:t>17/10/2016</a:t>
+              <a:t>18/10/2016</a:t>
             </a:fld>
             <a:endParaRPr lang="en-GB"/>
           </a:p>
@@ -1613,7 +1617,7 @@
           <a:p>
             <a:fld id="{7D20D1B2-82D3-4D20-8DBC-939F9059AC75}" type="datetimeFigureOut">
               <a:rPr lang="en-GB" smtClean="0"/>
-              <a:t>17/10/2016</a:t>
+              <a:t>18/10/2016</a:t>
             </a:fld>
             <a:endParaRPr lang="en-GB"/>
           </a:p>
@@ -1731,7 +1735,7 @@
           <a:p>
             <a:fld id="{7D20D1B2-82D3-4D20-8DBC-939F9059AC75}" type="datetimeFigureOut">
               <a:rPr lang="en-GB" smtClean="0"/>
-              <a:t>17/10/2016</a:t>
+              <a:t>18/10/2016</a:t>
             </a:fld>
             <a:endParaRPr lang="en-GB"/>
           </a:p>
@@ -1826,7 +1830,7 @@
           <a:p>
             <a:fld id="{7D20D1B2-82D3-4D20-8DBC-939F9059AC75}" type="datetimeFigureOut">
               <a:rPr lang="en-GB" smtClean="0"/>
-              <a:t>17/10/2016</a:t>
+              <a:t>18/10/2016</a:t>
             </a:fld>
             <a:endParaRPr lang="en-GB"/>
           </a:p>
@@ -2103,7 +2107,7 @@
           <a:p>
             <a:fld id="{7D20D1B2-82D3-4D20-8DBC-939F9059AC75}" type="datetimeFigureOut">
               <a:rPr lang="en-GB" smtClean="0"/>
-              <a:t>17/10/2016</a:t>
+              <a:t>18/10/2016</a:t>
             </a:fld>
             <a:endParaRPr lang="en-GB"/>
           </a:p>
@@ -2356,7 +2360,7 @@
           <a:p>
             <a:fld id="{7D20D1B2-82D3-4D20-8DBC-939F9059AC75}" type="datetimeFigureOut">
               <a:rPr lang="en-GB" smtClean="0"/>
-              <a:t>17/10/2016</a:t>
+              <a:t>18/10/2016</a:t>
             </a:fld>
             <a:endParaRPr lang="en-GB"/>
           </a:p>
@@ -2569,7 +2573,7 @@
           <a:p>
             <a:fld id="{7D20D1B2-82D3-4D20-8DBC-939F9059AC75}" type="datetimeFigureOut">
               <a:rPr lang="en-GB" smtClean="0"/>
-              <a:t>17/10/2016</a:t>
+              <a:t>18/10/2016</a:t>
             </a:fld>
             <a:endParaRPr lang="en-GB"/>
           </a:p>
@@ -3019,8 +3023,8 @@
         </p:nvSpPr>
         <p:spPr>
           <a:xfrm>
-            <a:off x="0" y="4828674"/>
-            <a:ext cx="12192000" cy="2029326"/>
+            <a:off x="0" y="4058653"/>
+            <a:ext cx="12192000" cy="2799347"/>
           </a:xfrm>
         </p:spPr>
         <p:txBody>
@@ -3054,6 +3058,69 @@
     <p:extLst>
       <p:ext uri="{BB962C8B-B14F-4D97-AF65-F5344CB8AC3E}">
         <p14:creationId xmlns:p14="http://schemas.microsoft.com/office/powerpoint/2010/main" val="1714574096"/>
+      </p:ext>
+    </p:extLst>
+  </p:cSld>
+  <p:clrMapOvr>
+    <a:masterClrMapping/>
+  </p:clrMapOvr>
+</p:sld>
+</file>
+
+<file path=ppt/slides/slide10.xml><?xml version="1.0" encoding="utf-8"?>
+<p:sld xmlns:a="http://schemas.openxmlformats.org/drawingml/2006/main" xmlns:r="http://schemas.openxmlformats.org/officeDocument/2006/relationships" xmlns:p="http://schemas.openxmlformats.org/presentationml/2006/main">
+  <p:cSld>
+    <p:spTree>
+      <p:nvGrpSpPr>
+        <p:cNvPr id="1" name=""/>
+        <p:cNvGrpSpPr/>
+        <p:nvPr/>
+      </p:nvGrpSpPr>
+      <p:grpSpPr>
+        <a:xfrm>
+          <a:off x="0" y="0"/>
+          <a:ext cx="0" cy="0"/>
+          <a:chOff x="0" y="0"/>
+          <a:chExt cx="0" cy="0"/>
+        </a:xfrm>
+      </p:grpSpPr>
+      <p:sp>
+        <p:nvSpPr>
+          <p:cNvPr id="2" name="Title 1"/>
+          <p:cNvSpPr>
+            <a:spLocks noGrp="1"/>
+          </p:cNvSpPr>
+          <p:nvPr>
+            <p:ph type="title"/>
+          </p:nvPr>
+        </p:nvSpPr>
+        <p:spPr>
+          <a:xfrm>
+            <a:off x="-1" y="0"/>
+            <a:ext cx="12192001" cy="6858000"/>
+          </a:xfrm>
+        </p:spPr>
+        <p:txBody>
+          <a:bodyPr>
+            <a:normAutofit/>
+          </a:bodyPr>
+          <a:lstStyle/>
+          <a:p>
+            <a:pPr algn="ctr"/>
+            <a:r>
+              <a:rPr lang="en-GB" sz="7200" dirty="0">
+                <a:latin typeface="Arial" panose="020B0604020202020204" pitchFamily="34" charset="0"/>
+                <a:cs typeface="Arial" panose="020B0604020202020204" pitchFamily="34" charset="0"/>
+              </a:rPr>
+              <a:t>Questions?</a:t>
+            </a:r>
+          </a:p>
+        </p:txBody>
+      </p:sp>
+    </p:spTree>
+    <p:extLst>
+      <p:ext uri="{BB962C8B-B14F-4D97-AF65-F5344CB8AC3E}">
+        <p14:creationId xmlns:p14="http://schemas.microsoft.com/office/powerpoint/2010/main" val="3353457835"/>
       </p:ext>
     </p:extLst>
   </p:cSld>
@@ -3118,12 +3185,24 @@
             <p:ph idx="1"/>
           </p:nvPr>
         </p:nvSpPr>
-        <p:spPr/>
+        <p:spPr>
+          <a:xfrm>
+            <a:off x="838200" y="1825624"/>
+            <a:ext cx="10515600" cy="5032375"/>
+          </a:xfrm>
+        </p:spPr>
         <p:txBody>
           <a:bodyPr>
             <a:normAutofit/>
           </a:bodyPr>
           <a:lstStyle/>
+          <a:p>
+            <a:pPr algn="just"/>
+            <a:endParaRPr lang="en-GB" sz="3200" dirty="0">
+              <a:latin typeface="Arial" panose="020B0604020202020204" pitchFamily="34" charset="0"/>
+              <a:cs typeface="Arial" panose="020B0604020202020204" pitchFamily="34" charset="0"/>
+            </a:endParaRPr>
+          </a:p>
           <a:p>
             <a:pPr algn="just"/>
             <a:r>
@@ -3204,12 +3283,26 @@
             <p:ph idx="1"/>
           </p:nvPr>
         </p:nvSpPr>
-        <p:spPr/>
+        <p:spPr>
+          <a:xfrm>
+            <a:off x="838200" y="1841667"/>
+            <a:ext cx="10515600" cy="4351338"/>
+          </a:xfrm>
+        </p:spPr>
         <p:txBody>
           <a:bodyPr>
             <a:normAutofit/>
           </a:bodyPr>
           <a:lstStyle/>
+          <a:p>
+            <a:pPr marL="0" indent="0">
+              <a:buNone/>
+            </a:pPr>
+            <a:endParaRPr lang="en-GB" sz="3200" dirty="0">
+              <a:latin typeface="Arial" panose="020B0604020202020204" pitchFamily="34" charset="0"/>
+              <a:cs typeface="Arial" panose="020B0604020202020204" pitchFamily="34" charset="0"/>
+            </a:endParaRPr>
+          </a:p>
           <a:p>
             <a:r>
               <a:rPr lang="en-GB" sz="3200" dirty="0">
@@ -3231,7 +3324,7 @@
                 <a:latin typeface="Arial" panose="020B0604020202020204" pitchFamily="34" charset="0"/>
                 <a:cs typeface="Arial" panose="020B0604020202020204" pitchFamily="34" charset="0"/>
               </a:rPr>
-              <a:t>Darker themes</a:t>
+              <a:t>Casual </a:t>
             </a:r>
           </a:p>
           <a:p>
@@ -3241,13 +3334,16 @@
             </a:endParaRPr>
           </a:p>
           <a:p>
-            <a:r>
-              <a:rPr lang="en-GB" sz="3200" dirty="0">
-                <a:latin typeface="Arial" panose="020B0604020202020204" pitchFamily="34" charset="0"/>
-                <a:cs typeface="Arial" panose="020B0604020202020204" pitchFamily="34" charset="0"/>
-              </a:rPr>
-              <a:t>Narrative driven</a:t>
-            </a:r>
+            <a:endParaRPr lang="en-GB" sz="3200" dirty="0">
+              <a:latin typeface="Arial" panose="020B0604020202020204" pitchFamily="34" charset="0"/>
+              <a:cs typeface="Arial" panose="020B0604020202020204" pitchFamily="34" charset="0"/>
+            </a:endParaRPr>
+          </a:p>
+          <a:p>
+            <a:endParaRPr lang="en-GB" sz="3200" dirty="0">
+              <a:latin typeface="Arial" panose="020B0604020202020204" pitchFamily="34" charset="0"/>
+              <a:cs typeface="Arial" panose="020B0604020202020204" pitchFamily="34" charset="0"/>
+            </a:endParaRPr>
           </a:p>
         </p:txBody>
       </p:sp>
@@ -3291,7 +3387,12 @@
             <p:ph type="title"/>
           </p:nvPr>
         </p:nvSpPr>
-        <p:spPr/>
+        <p:spPr>
+          <a:xfrm>
+            <a:off x="838200" y="0"/>
+            <a:ext cx="10515600" cy="1325563"/>
+          </a:xfrm>
+        </p:spPr>
         <p:txBody>
           <a:bodyPr>
             <a:normAutofit/>
@@ -3304,7 +3405,7 @@
                 <a:latin typeface="Arial" panose="020B0604020202020204" pitchFamily="34" charset="0"/>
                 <a:cs typeface="Arial" panose="020B0604020202020204" pitchFamily="34" charset="0"/>
               </a:rPr>
-              <a:t>Emotion</a:t>
+              <a:t>Emotions</a:t>
             </a:r>
           </a:p>
         </p:txBody>
@@ -3323,6 +3424,70 @@
         <p:txBody>
           <a:bodyPr/>
           <a:lstStyle/>
+          <a:p>
+            <a:pPr lvl="0"/>
+            <a:endParaRPr lang="en-GB" sz="3200" b="1" dirty="0">
+              <a:latin typeface="Arial" panose="020B0604020202020204" pitchFamily="34" charset="0"/>
+              <a:cs typeface="Arial" panose="020B0604020202020204" pitchFamily="34" charset="0"/>
+            </a:endParaRPr>
+          </a:p>
+          <a:p>
+            <a:pPr lvl="0"/>
+            <a:r>
+              <a:rPr lang="en-GB" sz="3200" b="1" dirty="0" err="1">
+                <a:latin typeface="Arial" panose="020B0604020202020204" pitchFamily="34" charset="0"/>
+                <a:cs typeface="Arial" panose="020B0604020202020204" pitchFamily="34" charset="0"/>
+              </a:rPr>
+              <a:t>Chrysalism</a:t>
+            </a:r>
+            <a:r>
+              <a:rPr lang="en-GB" sz="3200" dirty="0">
+                <a:latin typeface="Arial" panose="020B0604020202020204" pitchFamily="34" charset="0"/>
+                <a:cs typeface="Arial" panose="020B0604020202020204" pitchFamily="34" charset="0"/>
+              </a:rPr>
+              <a:t>: The amniotic </a:t>
+            </a:r>
+            <a:r>
+              <a:rPr lang="en-GB" sz="3200" dirty="0" err="1">
+                <a:latin typeface="Arial" panose="020B0604020202020204" pitchFamily="34" charset="0"/>
+                <a:cs typeface="Arial" panose="020B0604020202020204" pitchFamily="34" charset="0"/>
+              </a:rPr>
+              <a:t>tranquility</a:t>
+            </a:r>
+            <a:r>
+              <a:rPr lang="en-GB" sz="3200" dirty="0">
+                <a:latin typeface="Arial" panose="020B0604020202020204" pitchFamily="34" charset="0"/>
+                <a:cs typeface="Arial" panose="020B0604020202020204" pitchFamily="34" charset="0"/>
+              </a:rPr>
+              <a:t> of being indoors during a thunderstorm. </a:t>
+            </a:r>
+          </a:p>
+          <a:p>
+            <a:endParaRPr lang="en-GB" sz="3200" dirty="0">
+              <a:latin typeface="Arial" panose="020B0604020202020204" pitchFamily="34" charset="0"/>
+              <a:cs typeface="Arial" panose="020B0604020202020204" pitchFamily="34" charset="0"/>
+            </a:endParaRPr>
+          </a:p>
+          <a:p>
+            <a:pPr lvl="0"/>
+            <a:r>
+              <a:rPr lang="en-GB" sz="3200" b="1" dirty="0" err="1">
+                <a:latin typeface="Arial" panose="020B0604020202020204" pitchFamily="34" charset="0"/>
+                <a:cs typeface="Arial" panose="020B0604020202020204" pitchFamily="34" charset="0"/>
+              </a:rPr>
+              <a:t>Adronitis</a:t>
+            </a:r>
+            <a:r>
+              <a:rPr lang="en-GB" sz="3200" dirty="0">
+                <a:latin typeface="Arial" panose="020B0604020202020204" pitchFamily="34" charset="0"/>
+                <a:cs typeface="Arial" panose="020B0604020202020204" pitchFamily="34" charset="0"/>
+              </a:rPr>
+              <a:t>: Frustration with how long it takes to get to know someone. </a:t>
+            </a:r>
+          </a:p>
+          <a:p>
+            <a:endParaRPr lang="en-GB" dirty="0"/>
+          </a:p>
           <a:p>
             <a:endParaRPr lang="en-GB" dirty="0"/>
           </a:p>
@@ -3368,7 +3533,12 @@
             <p:ph type="title"/>
           </p:nvPr>
         </p:nvSpPr>
-        <p:spPr/>
+        <p:spPr>
+          <a:xfrm>
+            <a:off x="838200" y="0"/>
+            <a:ext cx="10515600" cy="1325563"/>
+          </a:xfrm>
+        </p:spPr>
         <p:txBody>
           <a:bodyPr>
             <a:normAutofit/>
@@ -3377,19 +3547,127 @@
           <a:p>
             <a:pPr algn="ctr"/>
             <a:r>
-              <a:rPr lang="en-GB" sz="6000" dirty="0">
+              <a:rPr lang="en-GB" sz="4800" b="1" dirty="0" err="1">
                 <a:latin typeface="Arial" panose="020B0604020202020204" pitchFamily="34" charset="0"/>
                 <a:cs typeface="Arial" panose="020B0604020202020204" pitchFamily="34" charset="0"/>
               </a:rPr>
-              <a:t>Art</a:t>
-            </a:r>
+              <a:t>Chrysalism</a:t>
+            </a:r>
+            <a:endParaRPr lang="en-GB" sz="4800" dirty="0">
+              <a:latin typeface="Arial" panose="020B0604020202020204" pitchFamily="34" charset="0"/>
+              <a:cs typeface="Arial" panose="020B0604020202020204" pitchFamily="34" charset="0"/>
+            </a:endParaRPr>
+          </a:p>
+        </p:txBody>
+      </p:sp>
+      <p:sp>
+        <p:nvSpPr>
+          <p:cNvPr id="3" name="Content Placeholder 2"/>
+          <p:cNvSpPr>
+            <a:spLocks noGrp="1"/>
+          </p:cNvSpPr>
+          <p:nvPr>
+            <p:ph idx="1"/>
+          </p:nvPr>
+        </p:nvSpPr>
+        <p:spPr>
+          <a:xfrm>
+            <a:off x="838200" y="1572126"/>
+            <a:ext cx="10515600" cy="4604837"/>
+          </a:xfrm>
+        </p:spPr>
+        <p:txBody>
+          <a:bodyPr/>
+          <a:lstStyle/>
+          <a:p>
+            <a:r>
+              <a:rPr lang="en-GB" sz="3600" dirty="0">
+                <a:latin typeface="Arial" panose="020B0604020202020204" pitchFamily="34" charset="0"/>
+                <a:cs typeface="Arial" panose="020B0604020202020204" pitchFamily="34" charset="0"/>
+              </a:rPr>
+              <a:t>Form of Protection</a:t>
+            </a:r>
+          </a:p>
+          <a:p>
+            <a:pPr lvl="1"/>
+            <a:r>
+              <a:rPr lang="en-GB" sz="3200" dirty="0">
+                <a:latin typeface="Arial" panose="020B0604020202020204" pitchFamily="34" charset="0"/>
+                <a:cs typeface="Arial" panose="020B0604020202020204" pitchFamily="34" charset="0"/>
+              </a:rPr>
+              <a:t>Safe shelters</a:t>
+            </a:r>
+          </a:p>
+          <a:p>
+            <a:pPr lvl="1"/>
+            <a:r>
+              <a:rPr lang="en-GB" sz="3200" dirty="0">
+                <a:latin typeface="Arial" panose="020B0604020202020204" pitchFamily="34" charset="0"/>
+                <a:cs typeface="Arial" panose="020B0604020202020204" pitchFamily="34" charset="0"/>
+              </a:rPr>
+              <a:t>Players make the shelters safe</a:t>
+            </a:r>
+          </a:p>
+          <a:p>
+            <a:pPr lvl="1"/>
+            <a:r>
+              <a:rPr lang="en-GB" sz="3200" dirty="0" err="1">
+                <a:latin typeface="Arial" panose="020B0604020202020204" pitchFamily="34" charset="0"/>
+                <a:cs typeface="Arial" panose="020B0604020202020204" pitchFamily="34" charset="0"/>
+              </a:rPr>
+              <a:t>Fiero</a:t>
+            </a:r>
+            <a:endParaRPr lang="en-GB" sz="3200" dirty="0">
+              <a:latin typeface="Arial" panose="020B0604020202020204" pitchFamily="34" charset="0"/>
+              <a:cs typeface="Arial" panose="020B0604020202020204" pitchFamily="34" charset="0"/>
+            </a:endParaRPr>
+          </a:p>
+          <a:p>
+            <a:pPr lvl="1"/>
+            <a:endParaRPr lang="en-GB" sz="3200" dirty="0">
+              <a:latin typeface="Arial" panose="020B0604020202020204" pitchFamily="34" charset="0"/>
+              <a:cs typeface="Arial" panose="020B0604020202020204" pitchFamily="34" charset="0"/>
+            </a:endParaRPr>
+          </a:p>
+          <a:p>
+            <a:r>
+              <a:rPr lang="en-GB" sz="3600" dirty="0">
+                <a:latin typeface="Arial" panose="020B0604020202020204" pitchFamily="34" charset="0"/>
+                <a:cs typeface="Arial" panose="020B0604020202020204" pitchFamily="34" charset="0"/>
+              </a:rPr>
+              <a:t>Contrasts the harshness of a thunderstorm</a:t>
+            </a:r>
+          </a:p>
+          <a:p>
+            <a:pPr lvl="1"/>
+            <a:r>
+              <a:rPr lang="en-GB" sz="3200" dirty="0">
+                <a:latin typeface="Arial" panose="020B0604020202020204" pitchFamily="34" charset="0"/>
+                <a:cs typeface="Arial" panose="020B0604020202020204" pitchFamily="34" charset="0"/>
+              </a:rPr>
+              <a:t>Hostile environment</a:t>
+            </a:r>
+          </a:p>
+          <a:p>
+            <a:pPr lvl="1"/>
+            <a:r>
+              <a:rPr lang="en-GB" sz="3200" dirty="0">
+                <a:latin typeface="Arial" panose="020B0604020202020204" pitchFamily="34" charset="0"/>
+                <a:cs typeface="Arial" panose="020B0604020202020204" pitchFamily="34" charset="0"/>
+              </a:rPr>
+              <a:t>Overcoming Challenges</a:t>
+            </a:r>
+          </a:p>
+          <a:p>
+            <a:pPr lvl="1"/>
+            <a:endParaRPr lang="en-GB" dirty="0"/>
           </a:p>
         </p:txBody>
       </p:sp>
     </p:spTree>
     <p:extLst>
       <p:ext uri="{BB962C8B-B14F-4D97-AF65-F5344CB8AC3E}">
-        <p14:creationId xmlns:p14="http://schemas.microsoft.com/office/powerpoint/2010/main" val="282604800"/>
+        <p14:creationId xmlns:p14="http://schemas.microsoft.com/office/powerpoint/2010/main" val="3382082153"/>
       </p:ext>
     </p:extLst>
   </p:cSld>
@@ -3426,25 +3704,99 @@
             <p:ph type="title"/>
           </p:nvPr>
         </p:nvSpPr>
-        <p:spPr>
-          <a:xfrm>
-            <a:off x="-1" y="0"/>
-            <a:ext cx="12192001" cy="6858000"/>
-          </a:xfrm>
-        </p:spPr>
+        <p:spPr/>
+        <p:txBody>
+          <a:bodyPr/>
+          <a:lstStyle/>
+          <a:p>
+            <a:pPr algn="ctr"/>
+            <a:r>
+              <a:rPr lang="en-GB" b="1" dirty="0" err="1">
+                <a:latin typeface="Arial" panose="020B0604020202020204" pitchFamily="34" charset="0"/>
+                <a:cs typeface="Arial" panose="020B0604020202020204" pitchFamily="34" charset="0"/>
+              </a:rPr>
+              <a:t>Adronitis</a:t>
+            </a:r>
+            <a:endParaRPr lang="en-GB" dirty="0">
+              <a:latin typeface="Arial" panose="020B0604020202020204" pitchFamily="34" charset="0"/>
+              <a:cs typeface="Arial" panose="020B0604020202020204" pitchFamily="34" charset="0"/>
+            </a:endParaRPr>
+          </a:p>
+        </p:txBody>
+      </p:sp>
+      <p:sp>
+        <p:nvSpPr>
+          <p:cNvPr id="3" name="Content Placeholder 2"/>
+          <p:cNvSpPr>
+            <a:spLocks noGrp="1"/>
+          </p:cNvSpPr>
+          <p:nvPr>
+            <p:ph idx="1"/>
+          </p:nvPr>
+        </p:nvSpPr>
+        <p:spPr/>
         <p:txBody>
           <a:bodyPr>
             <a:normAutofit/>
           </a:bodyPr>
           <a:lstStyle/>
           <a:p>
-            <a:pPr algn="ctr"/>
-            <a:r>
-              <a:rPr lang="en-GB" sz="7200" dirty="0">
+            <a:r>
+              <a:rPr lang="en-GB" sz="3200" dirty="0">
                 <a:latin typeface="Arial" panose="020B0604020202020204" pitchFamily="34" charset="0"/>
                 <a:cs typeface="Arial" panose="020B0604020202020204" pitchFamily="34" charset="0"/>
               </a:rPr>
-              <a:t>Questions?</a:t>
+              <a:t>Encounters a mysterious figure</a:t>
+            </a:r>
+          </a:p>
+          <a:p>
+            <a:endParaRPr lang="en-GB" sz="3200" dirty="0">
+              <a:latin typeface="Arial" panose="020B0604020202020204" pitchFamily="34" charset="0"/>
+              <a:cs typeface="Arial" panose="020B0604020202020204" pitchFamily="34" charset="0"/>
+            </a:endParaRPr>
+          </a:p>
+          <a:p>
+            <a:r>
+              <a:rPr lang="en-GB" sz="3200" dirty="0">
+                <a:latin typeface="Arial" panose="020B0604020202020204" pitchFamily="34" charset="0"/>
+                <a:cs typeface="Arial" panose="020B0604020202020204" pitchFamily="34" charset="0"/>
+              </a:rPr>
+              <a:t>Unable to approach</a:t>
+            </a:r>
+          </a:p>
+          <a:p>
+            <a:endParaRPr lang="en-GB" sz="3200" dirty="0">
+              <a:latin typeface="Arial" panose="020B0604020202020204" pitchFamily="34" charset="0"/>
+              <a:cs typeface="Arial" panose="020B0604020202020204" pitchFamily="34" charset="0"/>
+            </a:endParaRPr>
+          </a:p>
+          <a:p>
+            <a:r>
+              <a:rPr lang="en-GB" sz="3200" dirty="0">
+                <a:latin typeface="Arial" panose="020B0604020202020204" pitchFamily="34" charset="0"/>
+                <a:cs typeface="Arial" panose="020B0604020202020204" pitchFamily="34" charset="0"/>
+              </a:rPr>
+              <a:t>Gain Knowledge of this person through collectibles</a:t>
+            </a:r>
+          </a:p>
+          <a:p>
+            <a:pPr lvl="1"/>
+            <a:r>
+              <a:rPr lang="en-GB" sz="3200" dirty="0">
+                <a:latin typeface="Arial" panose="020B0604020202020204" pitchFamily="34" charset="0"/>
+                <a:cs typeface="Arial" panose="020B0604020202020204" pitchFamily="34" charset="0"/>
+              </a:rPr>
+              <a:t>Exploration</a:t>
+            </a:r>
+          </a:p>
+          <a:p>
+            <a:pPr lvl="1"/>
+            <a:r>
+              <a:rPr lang="en-GB" sz="3200" dirty="0">
+                <a:latin typeface="Arial" panose="020B0604020202020204" pitchFamily="34" charset="0"/>
+                <a:cs typeface="Arial" panose="020B0604020202020204" pitchFamily="34" charset="0"/>
+              </a:rPr>
+              <a:t>Curiosity</a:t>
             </a:r>
           </a:p>
         </p:txBody>
@@ -3452,7 +3804,365 @@
     </p:spTree>
     <p:extLst>
       <p:ext uri="{BB962C8B-B14F-4D97-AF65-F5344CB8AC3E}">
-        <p14:creationId xmlns:p14="http://schemas.microsoft.com/office/powerpoint/2010/main" val="3353457835"/>
+        <p14:creationId xmlns:p14="http://schemas.microsoft.com/office/powerpoint/2010/main" val="4048039134"/>
+      </p:ext>
+    </p:extLst>
+  </p:cSld>
+  <p:clrMapOvr>
+    <a:masterClrMapping/>
+  </p:clrMapOvr>
+</p:sld>
+</file>
+
+<file path=ppt/slides/slide7.xml><?xml version="1.0" encoding="utf-8"?>
+<p:sld xmlns:a="http://schemas.openxmlformats.org/drawingml/2006/main" xmlns:r="http://schemas.openxmlformats.org/officeDocument/2006/relationships" xmlns:p="http://schemas.openxmlformats.org/presentationml/2006/main">
+  <p:cSld>
+    <p:spTree>
+      <p:nvGrpSpPr>
+        <p:cNvPr id="1" name=""/>
+        <p:cNvGrpSpPr/>
+        <p:nvPr/>
+      </p:nvGrpSpPr>
+      <p:grpSpPr>
+        <a:xfrm>
+          <a:off x="0" y="0"/>
+          <a:ext cx="0" cy="0"/>
+          <a:chOff x="0" y="0"/>
+          <a:chExt cx="0" cy="0"/>
+        </a:xfrm>
+      </p:grpSpPr>
+      <p:sp>
+        <p:nvSpPr>
+          <p:cNvPr id="2" name="Title 1"/>
+          <p:cNvSpPr>
+            <a:spLocks noGrp="1"/>
+          </p:cNvSpPr>
+          <p:nvPr>
+            <p:ph type="title"/>
+          </p:nvPr>
+        </p:nvSpPr>
+        <p:spPr>
+          <a:xfrm>
+            <a:off x="838200" y="166353"/>
+            <a:ext cx="10515600" cy="1325563"/>
+          </a:xfrm>
+        </p:spPr>
+        <p:txBody>
+          <a:bodyPr/>
+          <a:lstStyle/>
+          <a:p>
+            <a:pPr algn="ctr"/>
+            <a:r>
+              <a:rPr lang="en-GB" dirty="0">
+                <a:latin typeface="Arial" panose="020B0604020202020204" pitchFamily="34" charset="0"/>
+                <a:cs typeface="Arial" panose="020B0604020202020204" pitchFamily="34" charset="0"/>
+              </a:rPr>
+              <a:t>Mechanics</a:t>
+            </a:r>
+          </a:p>
+        </p:txBody>
+      </p:sp>
+      <p:sp>
+        <p:nvSpPr>
+          <p:cNvPr id="3" name="Content Placeholder 2"/>
+          <p:cNvSpPr>
+            <a:spLocks noGrp="1"/>
+          </p:cNvSpPr>
+          <p:nvPr>
+            <p:ph idx="1"/>
+          </p:nvPr>
+        </p:nvSpPr>
+        <p:spPr>
+          <a:xfrm>
+            <a:off x="838200" y="1299410"/>
+            <a:ext cx="10515600" cy="4828674"/>
+          </a:xfrm>
+        </p:spPr>
+        <p:txBody>
+          <a:bodyPr>
+            <a:normAutofit/>
+          </a:bodyPr>
+          <a:lstStyle/>
+          <a:p>
+            <a:r>
+              <a:rPr lang="en-GB" sz="3200" dirty="0"/>
+              <a:t>Platformer</a:t>
+            </a:r>
+          </a:p>
+          <a:p>
+            <a:pPr lvl="1"/>
+            <a:r>
+              <a:rPr lang="en-GB" sz="3200" dirty="0"/>
+              <a:t>Jumping</a:t>
+            </a:r>
+          </a:p>
+          <a:p>
+            <a:pPr lvl="1"/>
+            <a:r>
+              <a:rPr lang="en-GB" sz="3200" dirty="0"/>
+              <a:t>Player Movement</a:t>
+            </a:r>
+          </a:p>
+          <a:p>
+            <a:pPr lvl="1"/>
+            <a:r>
+              <a:rPr lang="en-GB" sz="3200" dirty="0"/>
+              <a:t>Item Collection</a:t>
+            </a:r>
+          </a:p>
+          <a:p>
+            <a:pPr lvl="1"/>
+            <a:r>
+              <a:rPr lang="en-GB" sz="3200" dirty="0"/>
+              <a:t>Enemies</a:t>
+            </a:r>
+          </a:p>
+          <a:p>
+            <a:pPr lvl="1"/>
+            <a:endParaRPr lang="en-GB" sz="3200" dirty="0"/>
+          </a:p>
+          <a:p>
+            <a:r>
+              <a:rPr lang="en-GB" sz="3200" dirty="0"/>
+              <a:t>Non violent approach to dealing with levels</a:t>
+            </a:r>
+          </a:p>
+          <a:p>
+            <a:pPr lvl="1"/>
+            <a:r>
+              <a:rPr lang="en-GB" sz="3200" dirty="0"/>
+              <a:t>No weapons</a:t>
+            </a:r>
+          </a:p>
+          <a:p>
+            <a:pPr lvl="1"/>
+            <a:r>
+              <a:rPr lang="en-GB" sz="3200" dirty="0"/>
+              <a:t>Using puzzles to dispatch enemies</a:t>
+            </a:r>
+          </a:p>
+          <a:p>
+            <a:endParaRPr lang="en-GB" dirty="0"/>
+          </a:p>
+          <a:p>
+            <a:endParaRPr lang="en-GB" dirty="0"/>
+          </a:p>
+          <a:p>
+            <a:endParaRPr lang="en-GB" dirty="0"/>
+          </a:p>
+          <a:p>
+            <a:endParaRPr lang="en-GB" dirty="0"/>
+          </a:p>
+          <a:p>
+            <a:endParaRPr lang="en-GB" dirty="0"/>
+          </a:p>
+          <a:p>
+            <a:endParaRPr lang="en-GB" dirty="0"/>
+          </a:p>
+          <a:p>
+            <a:endParaRPr lang="en-GB" dirty="0"/>
+          </a:p>
+          <a:p>
+            <a:pPr marL="457200" lvl="1" indent="0">
+              <a:buNone/>
+            </a:pPr>
+            <a:endParaRPr lang="en-GB" dirty="0"/>
+          </a:p>
+        </p:txBody>
+      </p:sp>
+    </p:spTree>
+    <p:extLst>
+      <p:ext uri="{BB962C8B-B14F-4D97-AF65-F5344CB8AC3E}">
+        <p14:creationId xmlns:p14="http://schemas.microsoft.com/office/powerpoint/2010/main" val="1676789490"/>
+      </p:ext>
+    </p:extLst>
+  </p:cSld>
+  <p:clrMapOvr>
+    <a:masterClrMapping/>
+  </p:clrMapOvr>
+</p:sld>
+</file>
+
+<file path=ppt/slides/slide8.xml><?xml version="1.0" encoding="utf-8"?>
+<p:sld xmlns:a="http://schemas.openxmlformats.org/drawingml/2006/main" xmlns:r="http://schemas.openxmlformats.org/officeDocument/2006/relationships" xmlns:p="http://schemas.openxmlformats.org/presentationml/2006/main">
+  <p:cSld>
+    <p:spTree>
+      <p:nvGrpSpPr>
+        <p:cNvPr id="1" name=""/>
+        <p:cNvGrpSpPr/>
+        <p:nvPr/>
+      </p:nvGrpSpPr>
+      <p:grpSpPr>
+        <a:xfrm>
+          <a:off x="0" y="0"/>
+          <a:ext cx="0" cy="0"/>
+          <a:chOff x="0" y="0"/>
+          <a:chExt cx="0" cy="0"/>
+        </a:xfrm>
+      </p:grpSpPr>
+      <p:sp>
+        <p:nvSpPr>
+          <p:cNvPr id="2" name="Title 1"/>
+          <p:cNvSpPr>
+            <a:spLocks noGrp="1"/>
+          </p:cNvSpPr>
+          <p:nvPr>
+            <p:ph type="title"/>
+          </p:nvPr>
+        </p:nvSpPr>
+        <p:spPr/>
+        <p:txBody>
+          <a:bodyPr>
+            <a:normAutofit/>
+          </a:bodyPr>
+          <a:lstStyle/>
+          <a:p>
+            <a:pPr algn="ctr"/>
+            <a:r>
+              <a:rPr lang="en-GB" sz="6000" dirty="0">
+                <a:latin typeface="Arial" panose="020B0604020202020204" pitchFamily="34" charset="0"/>
+                <a:cs typeface="Arial" panose="020B0604020202020204" pitchFamily="34" charset="0"/>
+              </a:rPr>
+              <a:t>Theme and Atmosphere</a:t>
+            </a:r>
+          </a:p>
+        </p:txBody>
+      </p:sp>
+    </p:spTree>
+    <p:extLst>
+      <p:ext uri="{BB962C8B-B14F-4D97-AF65-F5344CB8AC3E}">
+        <p14:creationId xmlns:p14="http://schemas.microsoft.com/office/powerpoint/2010/main" val="282604800"/>
+      </p:ext>
+    </p:extLst>
+  </p:cSld>
+  <p:clrMapOvr>
+    <a:masterClrMapping/>
+  </p:clrMapOvr>
+</p:sld>
+</file>
+
+<file path=ppt/slides/slide9.xml><?xml version="1.0" encoding="utf-8"?>
+<p:sld xmlns:a="http://schemas.openxmlformats.org/drawingml/2006/main" xmlns:r="http://schemas.openxmlformats.org/officeDocument/2006/relationships" xmlns:p="http://schemas.openxmlformats.org/presentationml/2006/main">
+  <p:cSld>
+    <p:spTree>
+      <p:nvGrpSpPr>
+        <p:cNvPr id="1" name=""/>
+        <p:cNvGrpSpPr/>
+        <p:nvPr/>
+      </p:nvGrpSpPr>
+      <p:grpSpPr>
+        <a:xfrm>
+          <a:off x="0" y="0"/>
+          <a:ext cx="0" cy="0"/>
+          <a:chOff x="0" y="0"/>
+          <a:chExt cx="0" cy="0"/>
+        </a:xfrm>
+      </p:grpSpPr>
+      <p:sp>
+        <p:nvSpPr>
+          <p:cNvPr id="2" name="Title 1"/>
+          <p:cNvSpPr>
+            <a:spLocks noGrp="1"/>
+          </p:cNvSpPr>
+          <p:nvPr>
+            <p:ph type="title"/>
+          </p:nvPr>
+        </p:nvSpPr>
+        <p:spPr/>
+        <p:txBody>
+          <a:bodyPr/>
+          <a:lstStyle/>
+          <a:p>
+            <a:pPr algn="ctr"/>
+            <a:r>
+              <a:rPr lang="en-GB" dirty="0">
+                <a:latin typeface="Arial" panose="020B0604020202020204" pitchFamily="34" charset="0"/>
+                <a:cs typeface="Arial" panose="020B0604020202020204" pitchFamily="34" charset="0"/>
+              </a:rPr>
+              <a:t>What next?</a:t>
+            </a:r>
+          </a:p>
+        </p:txBody>
+      </p:sp>
+      <p:sp>
+        <p:nvSpPr>
+          <p:cNvPr id="3" name="Content Placeholder 2"/>
+          <p:cNvSpPr>
+            <a:spLocks noGrp="1"/>
+          </p:cNvSpPr>
+          <p:nvPr>
+            <p:ph idx="1"/>
+          </p:nvPr>
+        </p:nvSpPr>
+        <p:spPr/>
+        <p:txBody>
+          <a:bodyPr>
+            <a:normAutofit/>
+          </a:bodyPr>
+          <a:lstStyle/>
+          <a:p>
+            <a:r>
+              <a:rPr lang="en-GB" sz="3200" dirty="0">
+                <a:latin typeface="Arial" panose="020B0604020202020204" pitchFamily="34" charset="0"/>
+                <a:cs typeface="Arial" panose="020B0604020202020204" pitchFamily="34" charset="0"/>
+              </a:rPr>
+              <a:t>Rough prototype containing the core triggers</a:t>
+            </a:r>
+          </a:p>
+          <a:p>
+            <a:r>
+              <a:rPr lang="en-GB" sz="3200" dirty="0">
+                <a:latin typeface="Arial" panose="020B0604020202020204" pitchFamily="34" charset="0"/>
+                <a:cs typeface="Arial" panose="020B0604020202020204" pitchFamily="34" charset="0"/>
+              </a:rPr>
+              <a:t>Visual, Art Assets, Concepts and Final Designs</a:t>
+            </a:r>
+          </a:p>
+          <a:p>
+            <a:r>
+              <a:rPr lang="en-GB" sz="3200" dirty="0">
+                <a:latin typeface="Arial" panose="020B0604020202020204" pitchFamily="34" charset="0"/>
+                <a:cs typeface="Arial" panose="020B0604020202020204" pitchFamily="34" charset="0"/>
+              </a:rPr>
+              <a:t>Puzzle Mechanics</a:t>
+            </a:r>
+          </a:p>
+          <a:p>
+            <a:pPr lvl="1"/>
+            <a:r>
+              <a:rPr lang="en-GB" sz="3200" dirty="0">
+                <a:latin typeface="Arial" panose="020B0604020202020204" pitchFamily="34" charset="0"/>
+                <a:cs typeface="Arial" panose="020B0604020202020204" pitchFamily="34" charset="0"/>
+              </a:rPr>
+              <a:t>Balance difficulty with our target audience</a:t>
+            </a:r>
+          </a:p>
+          <a:p>
+            <a:pPr lvl="1"/>
+            <a:r>
+              <a:rPr lang="en-GB" sz="3200" dirty="0">
+                <a:latin typeface="Arial" panose="020B0604020202020204" pitchFamily="34" charset="0"/>
+                <a:cs typeface="Arial" panose="020B0604020202020204" pitchFamily="34" charset="0"/>
+              </a:rPr>
+              <a:t>Playtesting</a:t>
+            </a:r>
+          </a:p>
+          <a:p>
+            <a:pPr lvl="1"/>
+            <a:r>
+              <a:rPr lang="en-GB" sz="3200" dirty="0">
+                <a:latin typeface="Arial" panose="020B0604020202020204" pitchFamily="34" charset="0"/>
+                <a:cs typeface="Arial" panose="020B0604020202020204" pitchFamily="34" charset="0"/>
+              </a:rPr>
+              <a:t>Iterating</a:t>
+            </a:r>
+          </a:p>
+        </p:txBody>
+      </p:sp>
+    </p:spTree>
+    <p:extLst>
+      <p:ext uri="{BB962C8B-B14F-4D97-AF65-F5344CB8AC3E}">
+        <p14:creationId xmlns:p14="http://schemas.microsoft.com/office/powerpoint/2010/main" val="3365627323"/>
       </p:ext>
     </p:extLst>
   </p:cSld>
